--- a/AuctionHouse .pptx
+++ b/AuctionHouse .pptx
@@ -4618,10 +4618,22 @@
                           </a:solidFill>
                           <a:latin typeface="Calibri" panose="020F0502020204030204"/>
                         </a:rPr>
-                        <a:t>Javascript Validation</a:t>
+                        <a:t>Javascript </a:t>
                       </a:r>
-                      <a:endParaRPr lang="en-US" sz="2000" b="0" strike="noStrike" spc="-1">
-                        <a:latin typeface="Arial" panose="020B0604020202020204"/>
+                      <a:r>
+                        <a:rPr lang="" altLang="en-US" sz="2000" b="0" strike="noStrike" spc="-1">
+                          <a:solidFill>
+                            <a:srgbClr val="FFFFFF"/>
+                          </a:solidFill>
+                          <a:latin typeface="Calibri" panose="020F0502020204030204"/>
+                        </a:rPr>
+                        <a:t>Processing</a:t>
+                      </a:r>
+                      <a:endParaRPr lang="" altLang="en-US" sz="2000" b="0" strike="noStrike" spc="-1">
+                        <a:solidFill>
+                          <a:srgbClr val="FFFFFF"/>
+                        </a:solidFill>
+                        <a:latin typeface="Calibri" panose="020F0502020204030204"/>
                       </a:endParaRPr>
                     </a:p>
                   </a:txBody>
@@ -6440,7 +6452,7 @@
                         </a:rPr>
                         <a:t>x</a:t>
                       </a:r>
-                      <a:endParaRPr lang="" altLang="en-US"/>
+                      <a:endParaRPr lang="en-US" altLang="en-US"/>
                     </a:p>
                   </a:txBody>
                   <a:tcPr marL="12600" marR="12600">
@@ -6927,9 +6939,49 @@
                   <a:txBody>
                     <a:bodyPr/>
                     <a:p>
-                      <a:pPr>
+                      <a:pPr algn="ctr">
                         <a:buNone/>
                       </a:pPr>
+                      <a:r>
+                        <a:rPr lang="" altLang="en-US"/>
+                        <a:t>x</a:t>
+                      </a:r>
+                      <a:endParaRPr lang="" altLang="en-US"/>
+                    </a:p>
+                  </a:txBody>
+                  <a:tcPr marL="12600" marR="12600">
+                    <a:lnL w="6480">
+                      <a:solidFill>
+                        <a:srgbClr val="FFFFFF"/>
+                      </a:solidFill>
+                    </a:lnL>
+                    <a:lnR w="6480">
+                      <a:solidFill>
+                        <a:srgbClr val="FFFFFF"/>
+                      </a:solidFill>
+                    </a:lnR>
+                    <a:lnT w="6480">
+                      <a:solidFill>
+                        <a:srgbClr val="FFFFFF"/>
+                      </a:solidFill>
+                    </a:lnT>
+                    <a:lnB w="6480">
+                      <a:solidFill>
+                        <a:srgbClr val="FFFFFF"/>
+                      </a:solidFill>
+                    </a:lnB>
+                    <a:solidFill>
+                      <a:srgbClr val="E7E6E6"/>
+                    </a:solidFill>
+                  </a:tcPr>
+                </a:tc>
+                <a:tc>
+                  <a:txBody>
+                    <a:bodyPr/>
+                    <a:p>
+                      <a:pPr algn="ctr">
+                        <a:buNone/>
+                      </a:pPr>
                       <a:endParaRPr lang="en-US"/>
                     </a:p>
                   </a:txBody>
@@ -6963,7 +7015,7 @@
                   <a:txBody>
                     <a:bodyPr/>
                     <a:p>
-                      <a:pPr>
+                      <a:pPr algn="ctr">
                         <a:buNone/>
                       </a:pPr>
                       <a:endParaRPr lang="en-US"/>
@@ -6999,46 +7051,14 @@
                   <a:txBody>
                     <a:bodyPr/>
                     <a:p>
-                      <a:pPr>
+                      <a:pPr algn="ctr">
                         <a:buNone/>
                       </a:pPr>
-                      <a:endParaRPr lang="en-US"/>
-                    </a:p>
-                  </a:txBody>
-                  <a:tcPr marL="12600" marR="12600">
-                    <a:lnL w="6480">
-                      <a:solidFill>
-                        <a:srgbClr val="FFFFFF"/>
-                      </a:solidFill>
-                    </a:lnL>
-                    <a:lnR w="6480">
-                      <a:solidFill>
-                        <a:srgbClr val="FFFFFF"/>
-                      </a:solidFill>
-                    </a:lnR>
-                    <a:lnT w="6480">
-                      <a:solidFill>
-                        <a:srgbClr val="FFFFFF"/>
-                      </a:solidFill>
-                    </a:lnT>
-                    <a:lnB w="6480">
-                      <a:solidFill>
-                        <a:srgbClr val="FFFFFF"/>
-                      </a:solidFill>
-                    </a:lnB>
-                    <a:solidFill>
-                      <a:srgbClr val="E7E6E6"/>
-                    </a:solidFill>
-                  </a:tcPr>
-                </a:tc>
-                <a:tc>
-                  <a:txBody>
-                    <a:bodyPr/>
-                    <a:p>
-                      <a:pPr>
-                        <a:buNone/>
-                      </a:pPr>
-                      <a:endParaRPr lang="en-US"/>
+                      <a:r>
+                        <a:rPr lang="" altLang="en-US"/>
+                        <a:t>x</a:t>
+                      </a:r>
+                      <a:endParaRPr lang="" altLang="en-US"/>
                     </a:p>
                   </a:txBody>
                   <a:tcPr marL="12600" marR="12600">
@@ -7122,9 +7142,49 @@
                   <a:txBody>
                     <a:bodyPr/>
                     <a:p>
-                      <a:pPr>
+                      <a:pPr algn="ctr">
                         <a:buNone/>
                       </a:pPr>
+                      <a:r>
+                        <a:rPr lang="" altLang="en-US"/>
+                        <a:t>x</a:t>
+                      </a:r>
+                      <a:endParaRPr lang="" altLang="en-US"/>
+                    </a:p>
+                  </a:txBody>
+                  <a:tcPr marL="12600" marR="12600">
+                    <a:lnL w="6480">
+                      <a:solidFill>
+                        <a:srgbClr val="FFFFFF"/>
+                      </a:solidFill>
+                    </a:lnL>
+                    <a:lnR w="6480">
+                      <a:solidFill>
+                        <a:srgbClr val="FFFFFF"/>
+                      </a:solidFill>
+                    </a:lnR>
+                    <a:lnT w="6480">
+                      <a:solidFill>
+                        <a:srgbClr val="FFFFFF"/>
+                      </a:solidFill>
+                    </a:lnT>
+                    <a:lnB w="6480">
+                      <a:solidFill>
+                        <a:srgbClr val="FFFFFF"/>
+                      </a:solidFill>
+                    </a:lnB>
+                    <a:solidFill>
+                      <a:srgbClr val="E7E6E6"/>
+                    </a:solidFill>
+                  </a:tcPr>
+                </a:tc>
+                <a:tc>
+                  <a:txBody>
+                    <a:bodyPr/>
+                    <a:p>
+                      <a:pPr algn="ctr">
+                        <a:buNone/>
+                      </a:pPr>
                       <a:endParaRPr lang="en-US"/>
                     </a:p>
                   </a:txBody>
@@ -7158,7 +7218,7 @@
                   <a:txBody>
                     <a:bodyPr/>
                     <a:p>
-                      <a:pPr>
+                      <a:pPr algn="ctr">
                         <a:buNone/>
                       </a:pPr>
                       <a:endParaRPr lang="en-US"/>
@@ -7194,46 +7254,14 @@
                   <a:txBody>
                     <a:bodyPr/>
                     <a:p>
-                      <a:pPr>
+                      <a:pPr algn="ctr">
                         <a:buNone/>
                       </a:pPr>
-                      <a:endParaRPr lang="en-US"/>
-                    </a:p>
-                  </a:txBody>
-                  <a:tcPr marL="12600" marR="12600">
-                    <a:lnL w="6480">
-                      <a:solidFill>
-                        <a:srgbClr val="FFFFFF"/>
-                      </a:solidFill>
-                    </a:lnL>
-                    <a:lnR w="6480">
-                      <a:solidFill>
-                        <a:srgbClr val="FFFFFF"/>
-                      </a:solidFill>
-                    </a:lnR>
-                    <a:lnT w="6480">
-                      <a:solidFill>
-                        <a:srgbClr val="FFFFFF"/>
-                      </a:solidFill>
-                    </a:lnT>
-                    <a:lnB w="6480">
-                      <a:solidFill>
-                        <a:srgbClr val="FFFFFF"/>
-                      </a:solidFill>
-                    </a:lnB>
-                    <a:solidFill>
-                      <a:srgbClr val="E7E6E6"/>
-                    </a:solidFill>
-                  </a:tcPr>
-                </a:tc>
-                <a:tc>
-                  <a:txBody>
-                    <a:bodyPr/>
-                    <a:p>
-                      <a:pPr>
-                        <a:buNone/>
-                      </a:pPr>
-                      <a:endParaRPr lang="en-US"/>
+                      <a:r>
+                        <a:rPr lang="" altLang="en-US"/>
+                        <a:t>x</a:t>
+                      </a:r>
+                      <a:endParaRPr lang="" altLang="en-US"/>
                     </a:p>
                   </a:txBody>
                   <a:tcPr marL="12600" marR="12600">
@@ -7394,15 +7422,15 @@
         </p:nvGraphicFramePr>
         <p:xfrm>
           <a:off x="267840" y="938520"/>
-          <a:ext cx="11710440" cy="5671440"/>
+          <a:ext cx="11710670" cy="5725795"/>
         </p:xfrm>
         <a:graphic>
           <a:graphicData uri="http://schemas.openxmlformats.org/drawingml/2006/table">
             <a:tbl>
               <a:tblPr/>
               <a:tblGrid>
-                <a:gridCol w="6801840"/>
-                <a:gridCol w="1227240"/>
+                <a:gridCol w="6802120"/>
+                <a:gridCol w="1226960"/>
                 <a:gridCol w="1226520"/>
                 <a:gridCol w="1227240"/>
                 <a:gridCol w="1227600"/>
@@ -7620,10 +7648,22 @@
                           </a:solidFill>
                           <a:latin typeface="Calibri" panose="020F0502020204030204"/>
                         </a:rPr>
-                        <a:t>Javascript Validation</a:t>
+                        <a:t>Javascript </a:t>
                       </a:r>
-                      <a:endParaRPr lang="en-US" sz="2000" b="0" strike="noStrike" spc="-1">
-                        <a:latin typeface="Arial" panose="020B0604020202020204"/>
+                      <a:r>
+                        <a:rPr lang="" altLang="en-US" sz="2000" b="0" strike="noStrike" spc="-1">
+                          <a:solidFill>
+                            <a:srgbClr val="FFFFFF"/>
+                          </a:solidFill>
+                          <a:latin typeface="Calibri" panose="020F0502020204030204"/>
+                        </a:rPr>
+                        <a:t>Processing</a:t>
+                      </a:r>
+                      <a:endParaRPr lang="" altLang="en-US" sz="2000" b="0" strike="noStrike" spc="-1">
+                        <a:solidFill>
+                          <a:srgbClr val="FFFFFF"/>
+                        </a:solidFill>
+                        <a:latin typeface="Calibri" panose="020F0502020204030204"/>
                       </a:endParaRPr>
                     </a:p>
                   </a:txBody>
@@ -7654,7 +7694,7 @@
                   </a:tcPr>
                 </a:tc>
               </a:tr>
-              <a:tr h="361080">
+              <a:tr h="352425">
                 <a:tc>
                   <a:txBody>
                     <a:bodyPr/>
@@ -7708,7 +7748,7 @@
                   <a:txBody>
                     <a:bodyPr/>
                     <a:p>
-                      <a:pPr>
+                      <a:pPr algn="ctr">
                         <a:buNone/>
                       </a:pPr>
                       <a:endParaRPr lang="en-US"/>
@@ -7744,7 +7784,7 @@
                   <a:txBody>
                     <a:bodyPr/>
                     <a:p>
-                      <a:pPr>
+                      <a:pPr algn="ctr">
                         <a:buNone/>
                       </a:pPr>
                       <a:endParaRPr lang="en-US"/>
@@ -7780,7 +7820,7 @@
                   <a:txBody>
                     <a:bodyPr/>
                     <a:p>
-                      <a:pPr>
+                      <a:pPr algn="ctr">
                         <a:buNone/>
                       </a:pPr>
                       <a:endParaRPr lang="en-US"/>
@@ -7816,7 +7856,7 @@
                   <a:txBody>
                     <a:bodyPr/>
                     <a:p>
-                      <a:pPr>
+                      <a:pPr algn="ctr">
                         <a:buNone/>
                       </a:pPr>
                       <a:endParaRPr lang="en-US"/>
@@ -7903,7 +7943,7 @@
                   <a:txBody>
                     <a:bodyPr/>
                     <a:p>
-                      <a:pPr>
+                      <a:pPr algn="ctr">
                         <a:buNone/>
                       </a:pPr>
                       <a:endParaRPr lang="en-US"/>
@@ -7939,7 +7979,7 @@
                   <a:txBody>
                     <a:bodyPr/>
                     <a:p>
-                      <a:pPr>
+                      <a:pPr algn="ctr">
                         <a:buNone/>
                       </a:pPr>
                       <a:endParaRPr lang="en-US"/>
@@ -7975,7 +8015,7 @@
                   <a:txBody>
                     <a:bodyPr/>
                     <a:p>
-                      <a:pPr>
+                      <a:pPr algn="ctr">
                         <a:buNone/>
                       </a:pPr>
                       <a:endParaRPr lang="en-US"/>
@@ -8011,7 +8051,7 @@
                   <a:txBody>
                     <a:bodyPr/>
                     <a:p>
-                      <a:pPr>
+                      <a:pPr algn="ctr">
                         <a:buNone/>
                       </a:pPr>
                       <a:endParaRPr lang="en-US"/>
@@ -8098,7 +8138,7 @@
                   <a:txBody>
                     <a:bodyPr/>
                     <a:p>
-                      <a:pPr>
+                      <a:pPr algn="ctr">
                         <a:buNone/>
                       </a:pPr>
                       <a:endParaRPr lang="en-US"/>
@@ -8134,7 +8174,7 @@
                   <a:txBody>
                     <a:bodyPr/>
                     <a:p>
-                      <a:pPr>
+                      <a:pPr algn="ctr">
                         <a:buNone/>
                       </a:pPr>
                       <a:endParaRPr lang="en-US"/>
@@ -8170,7 +8210,7 @@
                   <a:txBody>
                     <a:bodyPr/>
                     <a:p>
-                      <a:pPr>
+                      <a:pPr algn="ctr">
                         <a:buNone/>
                       </a:pPr>
                       <a:endParaRPr lang="en-US"/>
@@ -8206,7 +8246,7 @@
                   <a:txBody>
                     <a:bodyPr/>
                     <a:p>
-                      <a:pPr>
+                      <a:pPr algn="ctr">
                         <a:buNone/>
                       </a:pPr>
                       <a:endParaRPr lang="en-US"/>
@@ -8293,7 +8333,7 @@
                   <a:txBody>
                     <a:bodyPr/>
                     <a:p>
-                      <a:pPr>
+                      <a:pPr algn="ctr">
                         <a:buNone/>
                       </a:pPr>
                       <a:endParaRPr lang="en-US"/>
@@ -8329,7 +8369,7 @@
                   <a:txBody>
                     <a:bodyPr/>
                     <a:p>
-                      <a:pPr>
+                      <a:pPr algn="ctr">
                         <a:buNone/>
                       </a:pPr>
                       <a:endParaRPr lang="en-US"/>
@@ -8365,7 +8405,7 @@
                   <a:txBody>
                     <a:bodyPr/>
                     <a:p>
-                      <a:pPr>
+                      <a:pPr algn="ctr">
                         <a:buNone/>
                       </a:pPr>
                       <a:endParaRPr lang="en-US"/>
@@ -8401,7 +8441,7 @@
                   <a:txBody>
                     <a:bodyPr/>
                     <a:p>
-                      <a:pPr>
+                      <a:pPr algn="ctr">
                         <a:buNone/>
                       </a:pPr>
                       <a:endParaRPr lang="en-US"/>
@@ -8488,11 +8528,60 @@
                   <a:txBody>
                     <a:bodyPr/>
                     <a:p>
+                      <a:pPr algn="ctr"/>
                       <a:r>
                         <a:rPr lang="en-US" sz="1800" b="0" strike="noStrike" spc="-1">
                           <a:latin typeface="Arial" panose="020B0604020202020204"/>
                         </a:rPr>
-                        <a:t>        </a:t>
+                        <a:t>   </a:t>
+                      </a:r>
+                      <a:r>
+                        <a:rPr lang="" altLang="en-US" sz="1800" b="0" strike="noStrike" spc="-1">
+                          <a:latin typeface="Arial" panose="020B0604020202020204"/>
+                        </a:rPr>
+                        <a:t>x</a:t>
+                      </a:r>
+                      <a:endParaRPr lang="" altLang="en-US" sz="1800" b="0" strike="noStrike" spc="-1">
+                        <a:latin typeface="Arial" panose="020B0604020202020204"/>
+                      </a:endParaRPr>
+                    </a:p>
+                  </a:txBody>
+                  <a:tcPr marL="12600" marR="12600" marT="12600" anchor="ctr">
+                    <a:lnL w="6480">
+                      <a:solidFill>
+                        <a:srgbClr val="FFFFFF"/>
+                      </a:solidFill>
+                    </a:lnL>
+                    <a:lnR w="6480">
+                      <a:solidFill>
+                        <a:srgbClr val="FFFFFF"/>
+                      </a:solidFill>
+                    </a:lnR>
+                    <a:lnT w="6480">
+                      <a:solidFill>
+                        <a:srgbClr val="FFFFFF"/>
+                      </a:solidFill>
+                    </a:lnT>
+                    <a:lnB w="6480">
+                      <a:solidFill>
+                        <a:srgbClr val="FFFFFF"/>
+                      </a:solidFill>
+                    </a:lnB>
+                    <a:solidFill>
+                      <a:srgbClr val="E7E6E6"/>
+                    </a:solidFill>
+                  </a:tcPr>
+                </a:tc>
+                <a:tc>
+                  <a:txBody>
+                    <a:bodyPr/>
+                    <a:p>
+                      <a:pPr algn="ctr"/>
+                      <a:r>
+                        <a:rPr lang="en-US" sz="1800" b="0" strike="noStrike" spc="-1">
+                          <a:latin typeface="Arial" panose="020B0604020202020204"/>
+                        </a:rPr>
+                        <a:t> </a:t>
                       </a:r>
                       <a:r>
                         <a:rPr lang="en-US" sz="1800" b="0" strike="noStrike" spc="-1">
@@ -8538,52 +8627,76 @@
                   <a:txBody>
                     <a:bodyPr/>
                     <a:p>
-                      <a:r>
-                        <a:rPr lang="en-US" sz="1800" b="0" strike="noStrike" spc="-1">
-                          <a:latin typeface="Arial" panose="020B0604020202020204"/>
-                        </a:rPr>
-                        <a:t>        </a:t>
-                      </a:r>
-                      <a:r>
-                        <a:rPr lang="en-US" sz="1800" b="0" strike="noStrike" spc="-1">
-                          <a:solidFill>
-                            <a:srgbClr val="000000"/>
-                          </a:solidFill>
-                          <a:latin typeface="Calibri" panose="020F0502020204030204"/>
-                        </a:rPr>
-                        <a:t>x</a:t>
-                      </a:r>
-                      <a:endParaRPr lang="en-US" sz="1800" b="0" strike="noStrike" spc="-1">
-                        <a:latin typeface="Arial" panose="020B0604020202020204"/>
-                      </a:endParaRPr>
-                    </a:p>
-                  </a:txBody>
-                  <a:tcPr marL="12600" marR="12600" marT="12600" anchor="ctr">
-                    <a:lnL w="6480">
-                      <a:solidFill>
-                        <a:srgbClr val="FFFFFF"/>
-                      </a:solidFill>
-                    </a:lnL>
-                    <a:lnR w="6480">
-                      <a:solidFill>
-                        <a:srgbClr val="FFFFFF"/>
-                      </a:solidFill>
-                    </a:lnR>
-                    <a:lnT w="6480">
-                      <a:solidFill>
-                        <a:srgbClr val="FFFFFF"/>
-                      </a:solidFill>
-                    </a:lnT>
-                    <a:lnB w="6480">
-                      <a:solidFill>
-                        <a:srgbClr val="FFFFFF"/>
-                      </a:solidFill>
-                    </a:lnB>
-                    <a:solidFill>
-                      <a:srgbClr val="E7E6E6"/>
-                    </a:solidFill>
-                  </a:tcPr>
-                </a:tc>
+                      <a:pPr algn="ctr">
+                        <a:buNone/>
+                      </a:pPr>
+                      <a:endParaRPr lang="en-US"/>
+                    </a:p>
+                  </a:txBody>
+                  <a:tcPr marL="12600" marR="12600">
+                    <a:lnL w="6480">
+                      <a:solidFill>
+                        <a:srgbClr val="FFFFFF"/>
+                      </a:solidFill>
+                    </a:lnL>
+                    <a:lnR w="6480">
+                      <a:solidFill>
+                        <a:srgbClr val="FFFFFF"/>
+                      </a:solidFill>
+                    </a:lnR>
+                    <a:lnT w="6480">
+                      <a:solidFill>
+                        <a:srgbClr val="FFFFFF"/>
+                      </a:solidFill>
+                    </a:lnT>
+                    <a:lnB w="6480">
+                      <a:solidFill>
+                        <a:srgbClr val="FFFFFF"/>
+                      </a:solidFill>
+                    </a:lnB>
+                    <a:solidFill>
+                      <a:srgbClr val="E7E6E6"/>
+                    </a:solidFill>
+                  </a:tcPr>
+                </a:tc>
+                <a:tc>
+                  <a:txBody>
+                    <a:bodyPr/>
+                    <a:p>
+                      <a:pPr algn="ctr">
+                        <a:buNone/>
+                      </a:pPr>
+                      <a:endParaRPr lang="en-US"/>
+                    </a:p>
+                  </a:txBody>
+                  <a:tcPr marL="12600" marR="12600">
+                    <a:lnL w="6480">
+                      <a:solidFill>
+                        <a:srgbClr val="FFFFFF"/>
+                      </a:solidFill>
+                    </a:lnL>
+                    <a:lnR w="6480">
+                      <a:solidFill>
+                        <a:srgbClr val="FFFFFF"/>
+                      </a:solidFill>
+                    </a:lnR>
+                    <a:lnT w="6480">
+                      <a:solidFill>
+                        <a:srgbClr val="FFFFFF"/>
+                      </a:solidFill>
+                    </a:lnT>
+                    <a:lnB w="6480">
+                      <a:solidFill>
+                        <a:srgbClr val="FFFFFF"/>
+                      </a:solidFill>
+                    </a:lnB>
+                    <a:solidFill>
+                      <a:srgbClr val="E7E6E6"/>
+                    </a:solidFill>
+                  </a:tcPr>
+                </a:tc>
+              </a:tr>
+              <a:tr h="424440">
                 <a:tc>
                   <a:txBody>
                     <a:bodyPr/>
@@ -8624,7 +8737,7 @@
                   <a:txBody>
                     <a:bodyPr/>
                     <a:p>
-                      <a:pPr>
+                      <a:pPr algn="ctr">
                         <a:buNone/>
                       </a:pPr>
                       <a:endParaRPr lang="en-US"/>
@@ -8656,13 +8769,11 @@
                     </a:solidFill>
                   </a:tcPr>
                 </a:tc>
-              </a:tr>
-              <a:tr h="424440">
-                <a:tc>
-                  <a:txBody>
-                    <a:bodyPr/>
-                    <a:p>
-                      <a:pPr>
+                <a:tc>
+                  <a:txBody>
+                    <a:bodyPr/>
+                    <a:p>
+                      <a:pPr algn="ctr">
                         <a:buNone/>
                       </a:pPr>
                       <a:endParaRPr lang="en-US"/>
@@ -8698,7 +8809,7 @@
                   <a:txBody>
                     <a:bodyPr/>
                     <a:p>
-                      <a:pPr>
+                      <a:pPr algn="ctr">
                         <a:buNone/>
                       </a:pPr>
                       <a:endParaRPr lang="en-US"/>
@@ -8734,79 +8845,7 @@
                   <a:txBody>
                     <a:bodyPr/>
                     <a:p>
-                      <a:pPr>
-                        <a:buNone/>
-                      </a:pPr>
-                      <a:endParaRPr lang="en-US"/>
-                    </a:p>
-                  </a:txBody>
-                  <a:tcPr marL="12600" marR="12600">
-                    <a:lnL w="6480">
-                      <a:solidFill>
-                        <a:srgbClr val="FFFFFF"/>
-                      </a:solidFill>
-                    </a:lnL>
-                    <a:lnR w="6480">
-                      <a:solidFill>
-                        <a:srgbClr val="FFFFFF"/>
-                      </a:solidFill>
-                    </a:lnR>
-                    <a:lnT w="6480">
-                      <a:solidFill>
-                        <a:srgbClr val="FFFFFF"/>
-                      </a:solidFill>
-                    </a:lnT>
-                    <a:lnB w="6480">
-                      <a:solidFill>
-                        <a:srgbClr val="FFFFFF"/>
-                      </a:solidFill>
-                    </a:lnB>
-                    <a:solidFill>
-                      <a:srgbClr val="E7E6E6"/>
-                    </a:solidFill>
-                  </a:tcPr>
-                </a:tc>
-                <a:tc>
-                  <a:txBody>
-                    <a:bodyPr/>
-                    <a:p>
-                      <a:pPr>
-                        <a:buNone/>
-                      </a:pPr>
-                      <a:endParaRPr lang="en-US"/>
-                    </a:p>
-                  </a:txBody>
-                  <a:tcPr marL="12600" marR="12600">
-                    <a:lnL w="6480">
-                      <a:solidFill>
-                        <a:srgbClr val="FFFFFF"/>
-                      </a:solidFill>
-                    </a:lnL>
-                    <a:lnR w="6480">
-                      <a:solidFill>
-                        <a:srgbClr val="FFFFFF"/>
-                      </a:solidFill>
-                    </a:lnR>
-                    <a:lnT w="6480">
-                      <a:solidFill>
-                        <a:srgbClr val="FFFFFF"/>
-                      </a:solidFill>
-                    </a:lnT>
-                    <a:lnB w="6480">
-                      <a:solidFill>
-                        <a:srgbClr val="FFFFFF"/>
-                      </a:solidFill>
-                    </a:lnB>
-                    <a:solidFill>
-                      <a:srgbClr val="E7E6E6"/>
-                    </a:solidFill>
-                  </a:tcPr>
-                </a:tc>
-                <a:tc>
-                  <a:txBody>
-                    <a:bodyPr/>
-                    <a:p>
-                      <a:pPr>
+                      <a:pPr algn="ctr">
                         <a:buNone/>
                       </a:pPr>
                       <a:endParaRPr lang="en-US"/>
@@ -8893,7 +8932,7 @@
                   <a:txBody>
                     <a:bodyPr/>
                     <a:p>
-                      <a:pPr>
+                      <a:pPr algn="ctr">
                         <a:buNone/>
                       </a:pPr>
                       <a:endParaRPr lang="en-US"/>
@@ -8929,7 +8968,7 @@
                   <a:txBody>
                     <a:bodyPr/>
                     <a:p>
-                      <a:pPr>
+                      <a:pPr algn="ctr">
                         <a:buNone/>
                       </a:pPr>
                       <a:endParaRPr lang="en-US"/>
@@ -8965,7 +9004,7 @@
                   <a:txBody>
                     <a:bodyPr/>
                     <a:p>
-                      <a:pPr>
+                      <a:pPr algn="ctr">
                         <a:buNone/>
                       </a:pPr>
                       <a:endParaRPr lang="en-US"/>
@@ -9001,7 +9040,7 @@
                   <a:txBody>
                     <a:bodyPr/>
                     <a:p>
-                      <a:pPr>
+                      <a:pPr algn="ctr">
                         <a:buNone/>
                       </a:pPr>
                       <a:endParaRPr lang="en-US"/>
@@ -9088,7 +9127,7 @@
                   <a:txBody>
                     <a:bodyPr/>
                     <a:p>
-                      <a:pPr>
+                      <a:pPr algn="ctr">
                         <a:buNone/>
                       </a:pPr>
                       <a:endParaRPr lang="en-US"/>
@@ -9124,7 +9163,7 @@
                   <a:txBody>
                     <a:bodyPr/>
                     <a:p>
-                      <a:pPr>
+                      <a:pPr algn="ctr">
                         <a:buNone/>
                       </a:pPr>
                       <a:endParaRPr lang="en-US"/>
@@ -9160,7 +9199,7 @@
                   <a:txBody>
                     <a:bodyPr/>
                     <a:p>
-                      <a:pPr>
+                      <a:pPr algn="ctr">
                         <a:buNone/>
                       </a:pPr>
                       <a:endParaRPr lang="en-US"/>
@@ -9196,7 +9235,7 @@
                   <a:txBody>
                     <a:bodyPr/>
                     <a:p>
-                      <a:pPr>
+                      <a:pPr algn="ctr">
                         <a:buNone/>
                       </a:pPr>
                       <a:endParaRPr lang="en-US"/>
@@ -9283,9 +9322,62 @@
                   <a:txBody>
                     <a:bodyPr/>
                     <a:p>
-                      <a:pPr>
+                      <a:pPr algn="ctr">
                         <a:buNone/>
                       </a:pPr>
+                      <a:r>
+                        <a:rPr lang="en-US" spc="-1">
+                          <a:latin typeface="Arial" panose="020B0604020202020204"/>
+                          <a:sym typeface="+mn-ea"/>
+                        </a:rPr>
+                        <a:t> </a:t>
+                      </a:r>
+                      <a:r>
+                        <a:rPr lang="en-US" spc="-1">
+                          <a:solidFill>
+                            <a:srgbClr val="000000"/>
+                          </a:solidFill>
+                          <a:latin typeface="Calibri" panose="020F0502020204030204"/>
+                          <a:sym typeface="+mn-ea"/>
+                        </a:rPr>
+                        <a:t>x</a:t>
+                      </a:r>
+                      <a:endParaRPr lang="" altLang="en-US"/>
+                    </a:p>
+                  </a:txBody>
+                  <a:tcPr marL="12600" marR="12600">
+                    <a:lnL w="6480">
+                      <a:solidFill>
+                        <a:srgbClr val="FFFFFF"/>
+                      </a:solidFill>
+                    </a:lnL>
+                    <a:lnR w="6480">
+                      <a:solidFill>
+                        <a:srgbClr val="FFFFFF"/>
+                      </a:solidFill>
+                    </a:lnR>
+                    <a:lnT w="6480">
+                      <a:solidFill>
+                        <a:srgbClr val="FFFFFF"/>
+                      </a:solidFill>
+                    </a:lnT>
+                    <a:lnB w="6480">
+                      <a:solidFill>
+                        <a:srgbClr val="FFFFFF"/>
+                      </a:solidFill>
+                    </a:lnB>
+                    <a:solidFill>
+                      <a:srgbClr val="E7E6E6"/>
+                    </a:solidFill>
+                  </a:tcPr>
+                </a:tc>
+                <a:tc>
+                  <a:txBody>
+                    <a:bodyPr/>
+                    <a:p>
+                      <a:pPr algn="ctr">
+                        <a:buNone/>
+                      </a:pPr>
                       <a:endParaRPr lang="en-US"/>
                     </a:p>
                   </a:txBody>
@@ -9319,7 +9411,7 @@
                   <a:txBody>
                     <a:bodyPr/>
                     <a:p>
-                      <a:pPr>
+                      <a:pPr algn="ctr">
                         <a:buNone/>
                       </a:pPr>
                       <a:endParaRPr lang="en-US"/>
@@ -9355,43 +9447,7 @@
                   <a:txBody>
                     <a:bodyPr/>
                     <a:p>
-                      <a:pPr>
-                        <a:buNone/>
-                      </a:pPr>
-                      <a:endParaRPr lang="en-US"/>
-                    </a:p>
-                  </a:txBody>
-                  <a:tcPr marL="12600" marR="12600">
-                    <a:lnL w="6480">
-                      <a:solidFill>
-                        <a:srgbClr val="FFFFFF"/>
-                      </a:solidFill>
-                    </a:lnL>
-                    <a:lnR w="6480">
-                      <a:solidFill>
-                        <a:srgbClr val="FFFFFF"/>
-                      </a:solidFill>
-                    </a:lnR>
-                    <a:lnT w="6480">
-                      <a:solidFill>
-                        <a:srgbClr val="FFFFFF"/>
-                      </a:solidFill>
-                    </a:lnT>
-                    <a:lnB w="6480">
-                      <a:solidFill>
-                        <a:srgbClr val="FFFFFF"/>
-                      </a:solidFill>
-                    </a:lnB>
-                    <a:solidFill>
-                      <a:srgbClr val="E7E6E6"/>
-                    </a:solidFill>
-                  </a:tcPr>
-                </a:tc>
-                <a:tc>
-                  <a:txBody>
-                    <a:bodyPr/>
-                    <a:p>
-                      <a:pPr>
+                      <a:pPr algn="ctr">
                         <a:buNone/>
                       </a:pPr>
                       <a:endParaRPr lang="en-US"/>
@@ -9478,7 +9534,7 @@
                   <a:txBody>
                     <a:bodyPr/>
                     <a:p>
-                      <a:pPr>
+                      <a:pPr algn="ctr">
                         <a:buNone/>
                       </a:pPr>
                       <a:endParaRPr lang="en-US"/>
@@ -9514,7 +9570,7 @@
                   <a:txBody>
                     <a:bodyPr/>
                     <a:p>
-                      <a:pPr>
+                      <a:pPr algn="ctr">
                         <a:buNone/>
                       </a:pPr>
                       <a:endParaRPr lang="en-US"/>
@@ -9550,7 +9606,7 @@
                   <a:txBody>
                     <a:bodyPr/>
                     <a:p>
-                      <a:pPr>
+                      <a:pPr algn="ctr">
                         <a:buNone/>
                       </a:pPr>
                       <a:endParaRPr lang="en-US"/>
@@ -9586,7 +9642,7 @@
                   <a:txBody>
                     <a:bodyPr/>
                     <a:p>
-                      <a:pPr>
+                      <a:pPr algn="ctr">
                         <a:buNone/>
                       </a:pPr>
                       <a:endParaRPr lang="en-US"/>
@@ -9673,7 +9729,7 @@
                   <a:txBody>
                     <a:bodyPr/>
                     <a:p>
-                      <a:pPr>
+                      <a:pPr algn="ctr">
                         <a:buNone/>
                       </a:pPr>
                       <a:endParaRPr lang="en-US"/>
@@ -9709,7 +9765,7 @@
                   <a:txBody>
                     <a:bodyPr/>
                     <a:p>
-                      <a:pPr>
+                      <a:pPr algn="ctr">
                         <a:buNone/>
                       </a:pPr>
                       <a:endParaRPr lang="en-US"/>
@@ -9745,7 +9801,7 @@
                   <a:txBody>
                     <a:bodyPr/>
                     <a:p>
-                      <a:pPr>
+                      <a:pPr algn="ctr">
                         <a:buNone/>
                       </a:pPr>
                       <a:endParaRPr lang="en-US"/>
@@ -9781,7 +9837,7 @@
                   <a:txBody>
                     <a:bodyPr/>
                     <a:p>
-                      <a:pPr>
+                      <a:pPr algn="ctr">
                         <a:buNone/>
                       </a:pPr>
                       <a:endParaRPr lang="en-US"/>
@@ -9868,7 +9924,7 @@
                   <a:txBody>
                     <a:bodyPr/>
                     <a:p>
-                      <a:pPr>
+                      <a:pPr algn="ctr">
                         <a:buNone/>
                       </a:pPr>
                       <a:endParaRPr lang="en-US"/>
@@ -9904,7 +9960,7 @@
                   <a:txBody>
                     <a:bodyPr/>
                     <a:p>
-                      <a:pPr>
+                      <a:pPr algn="ctr">
                         <a:buNone/>
                       </a:pPr>
                       <a:endParaRPr lang="en-US"/>
@@ -9940,7 +9996,7 @@
                   <a:txBody>
                     <a:bodyPr/>
                     <a:p>
-                      <a:pPr>
+                      <a:pPr algn="ctr">
                         <a:buNone/>
                       </a:pPr>
                       <a:endParaRPr lang="en-US"/>
@@ -9976,7 +10032,7 @@
                   <a:txBody>
                     <a:bodyPr/>
                     <a:p>
-                      <a:pPr>
+                      <a:pPr algn="ctr">
                         <a:buNone/>
                       </a:pPr>
                       <a:endParaRPr lang="en-US"/>
@@ -10352,7 +10408,7 @@
               <a:buChar char="•"/>
             </a:pPr>
             <a:r>
-              <a:rPr lang="" altLang="en-US" sz="2000" b="0" strike="noStrike" spc="-1">
+              <a:rPr lang="en-US" altLang="en-US" sz="2000" b="0" strike="noStrike" spc="-1">
                 <a:solidFill>
                   <a:srgbClr val="000000"/>
                 </a:solidFill>
@@ -10409,7 +10465,7 @@
               <a:t>FAQ </a:t>
             </a:r>
             <a:r>
-              <a:rPr lang="" altLang="en-US" sz="2000" b="0" strike="noStrike" spc="-1">
+              <a:rPr lang="en-US" altLang="en-US" sz="2000" b="0" strike="noStrike" spc="-1">
                 <a:solidFill>
                   <a:srgbClr val="FF0000"/>
                 </a:solidFill>
@@ -10641,6 +10697,33 @@
               <a:t>Validation of Products</a:t>
             </a:r>
             <a:endParaRPr lang="en-US" sz="2000" b="0" strike="noStrike" spc="-1">
+              <a:solidFill>
+                <a:srgbClr val="000000"/>
+              </a:solidFill>
+              <a:latin typeface="Calibri" panose="020F0502020204030204"/>
+            </a:endParaRPr>
+          </a:p>
+          <a:p>
+            <a:pPr marL="285750" indent="-285750">
+              <a:lnSpc>
+                <a:spcPct val="100000"/>
+              </a:lnSpc>
+              <a:buClr>
+                <a:srgbClr val="000000"/>
+              </a:buClr>
+              <a:buFont typeface="Arial" panose="020B0604020202020204"/>
+              <a:buChar char="•"/>
+            </a:pPr>
+            <a:r>
+              <a:rPr lang="" altLang="en-US" sz="2000" b="0" strike="noStrike" spc="-1">
+                <a:solidFill>
+                  <a:srgbClr val="000000"/>
+                </a:solidFill>
+                <a:latin typeface="Calibri" panose="020F0502020204030204"/>
+              </a:rPr>
+              <a:t>Notification system</a:t>
+            </a:r>
+            <a:endParaRPr lang="en-US" sz="2000" b="0" strike="noStrike" spc="-1">
               <a:latin typeface="Arial" panose="020B0604020202020204"/>
             </a:endParaRPr>
           </a:p>
@@ -10857,27 +10940,7 @@
                 <a:latin typeface="Calibri" panose="020F0502020204030204"/>
                 <a:sym typeface="+mn-ea"/>
               </a:rPr>
-              <a:t>(</a:t>
-            </a:r>
-            <a:r>
-              <a:rPr lang="" altLang="en-US" sz="2000" spc="-1">
-                <a:solidFill>
-                  <a:srgbClr val="FF0000"/>
-                </a:solidFill>
-                <a:latin typeface="Calibri" panose="020F0502020204030204"/>
-                <a:sym typeface="+mn-ea"/>
-              </a:rPr>
-              <a:t>WIP</a:t>
-            </a:r>
-            <a:r>
-              <a:rPr lang="en-US" altLang="en-US" sz="2000" spc="-1">
-                <a:solidFill>
-                  <a:srgbClr val="FF0000"/>
-                </a:solidFill>
-                <a:latin typeface="Calibri" panose="020F0502020204030204"/>
-                <a:sym typeface="+mn-ea"/>
-              </a:rPr>
-              <a:t>)</a:t>
+              <a:t>(WIP)</a:t>
             </a:r>
             <a:endParaRPr lang="en-US" sz="2000" b="0" strike="noStrike" spc="-1">
               <a:latin typeface="Arial" panose="020B0604020202020204"/>
